--- a/Omar_AlSabbah_assignment_presentation.pptx
+++ b/Omar_AlSabbah_assignment_presentation.pptx
@@ -18,6 +18,7 @@
     <p:sldId id="281" r:id="rId15"/>
     <p:sldId id="280" r:id="rId16"/>
     <p:sldId id="282" r:id="rId17"/>
+    <p:sldId id="283" r:id="rId18"/>
   </p:sldIdLst>
   <p:sldSz cx="12192000" cy="6858000"/>
   <p:notesSz cx="6858000" cy="9144000"/>
@@ -980,8 +981,8 @@
             </a:lnSpc>
           </a:pPr>
           <a:r>
-            <a:rPr lang="en-US"/>
-            <a:t>The results improved significantly after using this method </a:t>
+            <a:rPr lang="en-US" dirty="0"/>
+            <a:t>The results improved significantly after using this method in predicting the actual fraudulent transactions </a:t>
           </a:r>
         </a:p>
       </dgm:t>
@@ -1404,7 +1405,7 @@
         </a:bodyPr>
         <a:lstStyle/>
         <a:p>
-          <a:pPr marL="0" lvl="0" indent="0" algn="ctr" defTabSz="889000">
+          <a:pPr marL="0" lvl="0" indent="0" algn="ctr" defTabSz="800100">
             <a:lnSpc>
               <a:spcPct val="100000"/>
             </a:lnSpc>
@@ -1417,7 +1418,7 @@
             <a:buNone/>
           </a:pPr>
           <a:r>
-            <a:rPr lang="en-US" sz="2000" kern="1200" dirty="0"/>
+            <a:rPr lang="en-US" sz="1800" kern="1200" dirty="0"/>
             <a:t>As a solution SMOTE method was used to do the oversampling </a:t>
           </a:r>
         </a:p>
@@ -1521,7 +1522,7 @@
         </a:bodyPr>
         <a:lstStyle/>
         <a:p>
-          <a:pPr marL="0" lvl="0" indent="0" algn="ctr" defTabSz="889000">
+          <a:pPr marL="0" lvl="0" indent="0" algn="ctr" defTabSz="800100">
             <a:lnSpc>
               <a:spcPct val="100000"/>
             </a:lnSpc>
@@ -1534,8 +1535,8 @@
             <a:buNone/>
           </a:pPr>
           <a:r>
-            <a:rPr lang="en-US" sz="2000" kern="1200"/>
-            <a:t>The results improved significantly after using this method </a:t>
+            <a:rPr lang="en-US" sz="1800" kern="1200" dirty="0"/>
+            <a:t>The results improved significantly after using this method in predicting the actual fraudulent transactions </a:t>
           </a:r>
         </a:p>
       </dsp:txBody>
@@ -2919,7 +2920,7 @@
           <a:p>
             <a:fld id="{1CE84773-47CF-45F3-9C4C-A07B348C3BFA}" type="datetimeFigureOut">
               <a:rPr lang="en-US" smtClean="0"/>
-              <a:t>9/16/2023</a:t>
+              <a:t>9/17/2023</a:t>
             </a:fld>
             <a:endParaRPr lang="en-US"/>
           </a:p>
@@ -3117,7 +3118,7 @@
           <a:p>
             <a:fld id="{1CE84773-47CF-45F3-9C4C-A07B348C3BFA}" type="datetimeFigureOut">
               <a:rPr lang="en-US" smtClean="0"/>
-              <a:t>9/16/2023</a:t>
+              <a:t>9/17/2023</a:t>
             </a:fld>
             <a:endParaRPr lang="en-US"/>
           </a:p>
@@ -3325,7 +3326,7 @@
           <a:p>
             <a:fld id="{1CE84773-47CF-45F3-9C4C-A07B348C3BFA}" type="datetimeFigureOut">
               <a:rPr lang="en-US" smtClean="0"/>
-              <a:t>9/16/2023</a:t>
+              <a:t>9/17/2023</a:t>
             </a:fld>
             <a:endParaRPr lang="en-US"/>
           </a:p>
@@ -3523,7 +3524,7 @@
           <a:p>
             <a:fld id="{1CE84773-47CF-45F3-9C4C-A07B348C3BFA}" type="datetimeFigureOut">
               <a:rPr lang="en-US" smtClean="0"/>
-              <a:t>9/16/2023</a:t>
+              <a:t>9/17/2023</a:t>
             </a:fld>
             <a:endParaRPr lang="en-US"/>
           </a:p>
@@ -3798,7 +3799,7 @@
           <a:p>
             <a:fld id="{1CE84773-47CF-45F3-9C4C-A07B348C3BFA}" type="datetimeFigureOut">
               <a:rPr lang="en-US" smtClean="0"/>
-              <a:t>9/16/2023</a:t>
+              <a:t>9/17/2023</a:t>
             </a:fld>
             <a:endParaRPr lang="en-US"/>
           </a:p>
@@ -4063,7 +4064,7 @@
           <a:p>
             <a:fld id="{1CE84773-47CF-45F3-9C4C-A07B348C3BFA}" type="datetimeFigureOut">
               <a:rPr lang="en-US" smtClean="0"/>
-              <a:t>9/16/2023</a:t>
+              <a:t>9/17/2023</a:t>
             </a:fld>
             <a:endParaRPr lang="en-US"/>
           </a:p>
@@ -4475,7 +4476,7 @@
           <a:p>
             <a:fld id="{1CE84773-47CF-45F3-9C4C-A07B348C3BFA}" type="datetimeFigureOut">
               <a:rPr lang="en-US" smtClean="0"/>
-              <a:t>9/16/2023</a:t>
+              <a:t>9/17/2023</a:t>
             </a:fld>
             <a:endParaRPr lang="en-US"/>
           </a:p>
@@ -4616,7 +4617,7 @@
           <a:p>
             <a:fld id="{1CE84773-47CF-45F3-9C4C-A07B348C3BFA}" type="datetimeFigureOut">
               <a:rPr lang="en-US" smtClean="0"/>
-              <a:t>9/16/2023</a:t>
+              <a:t>9/17/2023</a:t>
             </a:fld>
             <a:endParaRPr lang="en-US"/>
           </a:p>
@@ -4729,7 +4730,7 @@
           <a:p>
             <a:fld id="{1CE84773-47CF-45F3-9C4C-A07B348C3BFA}" type="datetimeFigureOut">
               <a:rPr lang="en-US" smtClean="0"/>
-              <a:t>9/16/2023</a:t>
+              <a:t>9/17/2023</a:t>
             </a:fld>
             <a:endParaRPr lang="en-US"/>
           </a:p>
@@ -5040,7 +5041,7 @@
           <a:p>
             <a:fld id="{1CE84773-47CF-45F3-9C4C-A07B348C3BFA}" type="datetimeFigureOut">
               <a:rPr lang="en-US" smtClean="0"/>
-              <a:t>9/16/2023</a:t>
+              <a:t>9/17/2023</a:t>
             </a:fld>
             <a:endParaRPr lang="en-US"/>
           </a:p>
@@ -5328,7 +5329,7 @@
           <a:p>
             <a:fld id="{1CE84773-47CF-45F3-9C4C-A07B348C3BFA}" type="datetimeFigureOut">
               <a:rPr lang="en-US" smtClean="0"/>
-              <a:t>9/16/2023</a:t>
+              <a:t>9/17/2023</a:t>
             </a:fld>
             <a:endParaRPr lang="en-US"/>
           </a:p>
@@ -5569,7 +5570,7 @@
           <a:p>
             <a:fld id="{1CE84773-47CF-45F3-9C4C-A07B348C3BFA}" type="datetimeFigureOut">
               <a:rPr lang="en-US" smtClean="0"/>
-              <a:t>9/16/2023</a:t>
+              <a:t>9/17/2023</a:t>
             </a:fld>
             <a:endParaRPr lang="en-US"/>
           </a:p>
@@ -7100,7 +7101,7 @@
         </p:spPr>
         <p:txBody>
           <a:bodyPr vert="horz" lIns="91440" tIns="45720" rIns="91440" bIns="45720" rtlCol="0">
-            <a:normAutofit/>
+            <a:normAutofit fontScale="92500" lnSpcReduction="20000"/>
           </a:bodyPr>
           <a:lstStyle>
             <a:lvl1pPr marL="228600" indent="-228600" algn="l" defTabSz="914400" rtl="0" eaLnBrk="1" latinLnBrk="0" hangingPunct="1">
@@ -7268,11 +7269,30 @@
           </a:lstStyle>
           <a:p>
             <a:r>
-              <a:rPr lang="en-US" sz="2400" dirty="0">
+              <a:rPr lang="en-US" sz="2500" dirty="0">
                 <a:latin typeface="source-serif-pro"/>
               </a:rPr>
               <a:t>Testing multiple models as a preliminary test.</a:t>
             </a:r>
+          </a:p>
+          <a:p>
+            <a:r>
+              <a:rPr lang="en-US" sz="2500" dirty="0">
+                <a:latin typeface="source-serif-pro"/>
+              </a:rPr>
+              <a:t>Chose the Random Forest classifier due to its robustness and ability to handle imbalanced data.</a:t>
+            </a:r>
+          </a:p>
+          <a:p>
+            <a:r>
+              <a:rPr lang="en-US" sz="2500" dirty="0">
+                <a:latin typeface="source-serif-pro"/>
+              </a:rPr>
+              <a:t>Class weights were adjusted to give more importance to the minority class (fraudulent transactions).</a:t>
+            </a:r>
+            <a:endParaRPr lang="en-US" sz="2400" dirty="0">
+              <a:latin typeface="source-serif-pro"/>
+            </a:endParaRPr>
           </a:p>
           <a:p>
             <a:r>
@@ -7947,7 +7967,7 @@
           <p:nvPr>
             <p:extLst>
               <p:ext uri="{D42A27DB-BD31-4B8C-83A1-F6EECF244321}">
-                <p14:modId xmlns:p14="http://schemas.microsoft.com/office/powerpoint/2010/main" val="2791920453"/>
+                <p14:modId xmlns:p14="http://schemas.microsoft.com/office/powerpoint/2010/main" val="2554496176"/>
               </p:ext>
             </p:extLst>
           </p:nvPr>
@@ -8608,7 +8628,7 @@
         </p:nvSpPr>
         <p:spPr>
           <a:xfrm>
-            <a:off x="911571" y="1993597"/>
+            <a:off x="759171" y="1527425"/>
             <a:ext cx="6159214" cy="2098461"/>
           </a:xfrm>
           <a:prstGeom prst="rect">
@@ -8796,7 +8816,7 @@
               <a:rPr lang="en-US" sz="1800" dirty="0">
                 <a:latin typeface="source-serif-pro"/>
               </a:rPr>
-              <a:t>Results improved significantly after doing the oversampling step to mitigate the imbalance problem </a:t>
+              <a:t>Results improved significantly after doing the oversampling step to mitigate the imbalance problem considering the recall but not precision</a:t>
             </a:r>
           </a:p>
           <a:p>
@@ -8848,62 +8868,32 @@
           </a:p>
         </p:txBody>
       </p:sp>
-      <p:pic>
-        <p:nvPicPr>
-          <p:cNvPr id="6" name="Picture 5">
-            <a:extLst>
-              <a:ext uri="{FF2B5EF4-FFF2-40B4-BE49-F238E27FC236}">
-                <a16:creationId xmlns:a16="http://schemas.microsoft.com/office/drawing/2014/main" id="{D5E8804A-BB03-38BC-D947-36DFC695DF61}"/>
-              </a:ext>
-            </a:extLst>
-          </p:cNvPr>
-          <p:cNvPicPr>
-            <a:picLocks noChangeAspect="1"/>
-          </p:cNvPicPr>
+      <p:sp>
+        <p:nvSpPr>
+          <p:cNvPr id="7" name="Content Placeholder 2">
+            <a:extLst>
+              <a:ext uri="{FF2B5EF4-FFF2-40B4-BE49-F238E27FC236}">
+                <a16:creationId xmlns:a16="http://schemas.microsoft.com/office/drawing/2014/main" id="{84B538F0-230B-7798-D5B3-D27C2AADAAE2}"/>
+              </a:ext>
+            </a:extLst>
+          </p:cNvPr>
+          <p:cNvSpPr txBox="1">
+            <a:spLocks/>
+          </p:cNvSpPr>
           <p:nvPr/>
-        </p:nvPicPr>
-        <p:blipFill>
-          <a:blip r:embed="rId2"/>
-          <a:stretch>
-            <a:fillRect/>
-          </a:stretch>
-        </p:blipFill>
+        </p:nvSpPr>
         <p:spPr>
           <a:xfrm>
-            <a:off x="7100015" y="1892198"/>
-            <a:ext cx="4626142" cy="2297336"/>
+            <a:off x="759171" y="4476895"/>
+            <a:ext cx="9709829" cy="2098461"/>
           </a:xfrm>
           <a:prstGeom prst="rect">
             <a:avLst/>
           </a:prstGeom>
         </p:spPr>
-      </p:pic>
-      <p:sp>
-        <p:nvSpPr>
-          <p:cNvPr id="7" name="Content Placeholder 2">
-            <a:extLst>
-              <a:ext uri="{FF2B5EF4-FFF2-40B4-BE49-F238E27FC236}">
-                <a16:creationId xmlns:a16="http://schemas.microsoft.com/office/drawing/2014/main" id="{84B538F0-230B-7798-D5B3-D27C2AADAAE2}"/>
-              </a:ext>
-            </a:extLst>
-          </p:cNvPr>
-          <p:cNvSpPr txBox="1">
-            <a:spLocks/>
-          </p:cNvSpPr>
-          <p:nvPr/>
-        </p:nvSpPr>
-        <p:spPr>
-          <a:xfrm>
-            <a:off x="1388853" y="4429700"/>
-            <a:ext cx="9790980" cy="2098461"/>
-          </a:xfrm>
-          <a:prstGeom prst="rect">
-            <a:avLst/>
-          </a:prstGeom>
-        </p:spPr>
         <p:txBody>
           <a:bodyPr vert="horz" lIns="91440" tIns="45720" rIns="91440" bIns="45720" rtlCol="0">
-            <a:normAutofit fontScale="85000" lnSpcReduction="10000"/>
+            <a:normAutofit fontScale="55000" lnSpcReduction="20000"/>
           </a:bodyPr>
           <a:lstStyle>
             <a:lvl1pPr marL="228600" indent="-228600" algn="l" defTabSz="914400" rtl="0" eaLnBrk="1" latinLnBrk="0" hangingPunct="1">
@@ -9070,71 +9060,320 @@
             </a:lvl9pPr>
           </a:lstStyle>
           <a:p>
-            <a:pPr marL="228600" lvl="1">
-              <a:spcBef>
-                <a:spcPts val="1000"/>
-              </a:spcBef>
+            <a:pPr algn="l"/>
+            <a:r>
+              <a:rPr lang="en-US" b="1" i="0" dirty="0">
+                <a:effectLst/>
+                <a:latin typeface="Söhne"/>
+              </a:rPr>
+              <a:t>Precision, Recall, F1-Score</a:t>
+            </a:r>
+            <a:r>
+              <a:rPr lang="en-US" b="0" i="0" dirty="0">
+                <a:effectLst/>
+                <a:latin typeface="Söhne"/>
+              </a:rPr>
+              <a:t>:</a:t>
+            </a:r>
+          </a:p>
+          <a:p>
+            <a:pPr algn="l">
+              <a:buFont typeface="Arial" panose="020B0604020202020204" pitchFamily="34" charset="0"/>
+              <a:buChar char="•"/>
             </a:pPr>
             <a:r>
-              <a:rPr lang="en-US" sz="1800" dirty="0">
-                <a:latin typeface="source-serif-pro"/>
+              <a:rPr lang="en-US" b="1" i="0" dirty="0">
+                <a:effectLst/>
+                <a:latin typeface="Söhne"/>
               </a:rPr>
-              <a:t>True Positives (TP): 175,865 - The model correctly predicted 175,865 fraudulent transactions.</a:t>
-            </a:r>
-          </a:p>
-          <a:p>
-            <a:pPr marL="228600" lvl="1">
-              <a:spcBef>
-                <a:spcPts val="1000"/>
-              </a:spcBef>
+              <a:t>For Non-Fraudulent Transactions (Class 0)</a:t>
+            </a:r>
+            <a:r>
+              <a:rPr lang="en-US" b="0" i="0" dirty="0">
+                <a:effectLst/>
+                <a:latin typeface="Söhne"/>
+              </a:rPr>
+              <a:t>:</a:t>
+            </a:r>
+          </a:p>
+          <a:p>
+            <a:pPr marL="742950" lvl="1" indent="-285750" algn="l">
+              <a:buFont typeface="Arial" panose="020B0604020202020204" pitchFamily="34" charset="0"/>
+              <a:buChar char="•"/>
             </a:pPr>
             <a:r>
-              <a:rPr lang="en-US" sz="1800" dirty="0">
-                <a:latin typeface="source-serif-pro"/>
+              <a:rPr lang="en-US" b="1" i="0" dirty="0">
+                <a:effectLst/>
+                <a:latin typeface="Söhne"/>
               </a:rPr>
-              <a:t>True Negatives (TN): 175,818 - The model correctly predicted 175,818 benign transactions.</a:t>
-            </a:r>
-          </a:p>
-          <a:p>
-            <a:pPr marL="228600" lvl="1">
-              <a:spcBef>
-                <a:spcPts val="1000"/>
-              </a:spcBef>
+              <a:t>Precision</a:t>
+            </a:r>
+            <a:r>
+              <a:rPr lang="en-US" b="0" i="0" dirty="0">
+                <a:effectLst/>
+                <a:latin typeface="Söhne"/>
+              </a:rPr>
+              <a:t>: </a:t>
+            </a:r>
+            <a:r>
+              <a:rPr lang="en-US" b="0" i="0" dirty="0">
+                <a:effectLst/>
+                <a:latin typeface="KaTeX_Main"/>
+              </a:rPr>
+              <a:t>0.9981</a:t>
+            </a:r>
+            <a:r>
+              <a:rPr lang="en-US" b="0" i="0" dirty="0">
+                <a:effectLst/>
+                <a:latin typeface="Söhne"/>
+              </a:rPr>
+              <a:t> Out of all the transactions predicted as non-fraudulent, </a:t>
+            </a:r>
+            <a:r>
+              <a:rPr lang="en-US" b="0" i="0" dirty="0">
+                <a:effectLst/>
+                <a:latin typeface="KaTeX_Main"/>
+              </a:rPr>
+              <a:t>99.81%</a:t>
+            </a:r>
+            <a:r>
+              <a:rPr lang="en-US" b="0" i="0" dirty="0">
+                <a:effectLst/>
+                <a:latin typeface="Söhne"/>
+              </a:rPr>
+              <a:t> were actually non-fraudulent.</a:t>
+            </a:r>
+          </a:p>
+          <a:p>
+            <a:pPr marL="742950" lvl="1" indent="-285750" algn="l">
+              <a:buFont typeface="Arial" panose="020B0604020202020204" pitchFamily="34" charset="0"/>
+              <a:buChar char="•"/>
             </a:pPr>
             <a:r>
-              <a:rPr lang="en-US" sz="1800" dirty="0">
-                <a:latin typeface="source-serif-pro"/>
+              <a:rPr lang="en-US" b="1" i="0" dirty="0">
+                <a:effectLst/>
+                <a:latin typeface="Söhne"/>
               </a:rPr>
-              <a:t>False Positives (FP): 415 - The model incorrectly predicted 415 benign transactions as fraudulent (Type I error).</a:t>
-            </a:r>
-          </a:p>
-          <a:p>
-            <a:pPr marL="228600" lvl="1">
-              <a:spcBef>
-                <a:spcPts val="1000"/>
-              </a:spcBef>
+              <a:t>Recall</a:t>
+            </a:r>
+            <a:r>
+              <a:rPr lang="en-US" b="0" i="0" dirty="0">
+                <a:effectLst/>
+                <a:latin typeface="Söhne"/>
+              </a:rPr>
+              <a:t>: </a:t>
+            </a:r>
+            <a:r>
+              <a:rPr lang="en-US" b="0" i="0" dirty="0">
+                <a:effectLst/>
+                <a:latin typeface="KaTeX_Main"/>
+              </a:rPr>
+              <a:t>0.9956</a:t>
+            </a:r>
+            <a:r>
+              <a:rPr lang="en-US" b="0" i="0" dirty="0">
+                <a:effectLst/>
+                <a:latin typeface="Söhne"/>
+              </a:rPr>
+              <a:t> Out of all the actual non-fraudulent transactions, </a:t>
+            </a:r>
+            <a:r>
+              <a:rPr lang="en-US" b="0" i="0" dirty="0">
+                <a:effectLst/>
+                <a:latin typeface="KaTeX_Main"/>
+              </a:rPr>
+              <a:t>99.56%</a:t>
+            </a:r>
+            <a:r>
+              <a:rPr lang="en-US" b="0" i="0" dirty="0">
+                <a:effectLst/>
+                <a:latin typeface="Söhne"/>
+              </a:rPr>
+              <a:t> were correctly identified.</a:t>
+            </a:r>
+          </a:p>
+          <a:p>
+            <a:pPr marL="742950" lvl="1" indent="-285750" algn="l">
+              <a:buFont typeface="Arial" panose="020B0604020202020204" pitchFamily="34" charset="0"/>
+              <a:buChar char="•"/>
             </a:pPr>
             <a:r>
-              <a:rPr lang="en-US" sz="1800" dirty="0">
-                <a:latin typeface="source-serif-pro"/>
+              <a:rPr lang="en-US" b="1" i="0" dirty="0">
+                <a:effectLst/>
+                <a:latin typeface="Söhne"/>
               </a:rPr>
-              <a:t>False Negatives (FN): 368 - The model incorrectly predicted 368 fraudulent transactions as benign (Type II error).</a:t>
-            </a:r>
-          </a:p>
-          <a:p>
-            <a:r>
-              <a:rPr lang="en-US" sz="1800" dirty="0">
-                <a:latin typeface="source-serif-pro"/>
+              <a:t>F1-Score</a:t>
+            </a:r>
+            <a:r>
+              <a:rPr lang="en-US" b="0" i="0" dirty="0">
+                <a:effectLst/>
+                <a:latin typeface="Söhne"/>
               </a:rPr>
-              <a:t>Precision (0.9976) and Recall (0.9979):</a:t>
-            </a:r>
-          </a:p>
-          <a:p>
-            <a:r>
-              <a:rPr lang="en-US" sz="1800" dirty="0">
-                <a:latin typeface="source-serif-pro"/>
+              <a:t>: </a:t>
+            </a:r>
+            <a:r>
+              <a:rPr lang="en-US" b="0" i="0" dirty="0">
+                <a:effectLst/>
+                <a:latin typeface="KaTeX_Main"/>
               </a:rPr>
-              <a:t>Both precision and recall are exceptionally high, indicating that the model performs very well in identifying both fraudulent (class 1) and benign (class 0) transactions. </a:t>
+              <a:t>0.9968</a:t>
+            </a:r>
+            <a:r>
+              <a:rPr lang="en-US" b="0" i="0" dirty="0">
+                <a:effectLst/>
+                <a:latin typeface="Söhne"/>
+              </a:rPr>
+              <a:t> This is the harmonic mean of precision and recall, providing a balanced view of the two metrics.</a:t>
+            </a:r>
+          </a:p>
+          <a:p>
+            <a:pPr algn="l">
+              <a:buFont typeface="Arial" panose="020B0604020202020204" pitchFamily="34" charset="0"/>
+              <a:buChar char="•"/>
+            </a:pPr>
+            <a:r>
+              <a:rPr lang="en-US" b="1" i="0" dirty="0">
+                <a:effectLst/>
+                <a:latin typeface="Söhne"/>
+              </a:rPr>
+              <a:t>For Fraudulent Transactions (Class 1)</a:t>
+            </a:r>
+            <a:r>
+              <a:rPr lang="en-US" b="0" i="0" dirty="0">
+                <a:effectLst/>
+                <a:latin typeface="Söhne"/>
+              </a:rPr>
+              <a:t>:</a:t>
+            </a:r>
+          </a:p>
+          <a:p>
+            <a:pPr marL="742950" lvl="1" indent="-285750" algn="l">
+              <a:buFont typeface="Arial" panose="020B0604020202020204" pitchFamily="34" charset="0"/>
+              <a:buChar char="•"/>
+            </a:pPr>
+            <a:r>
+              <a:rPr lang="en-US" b="1" i="0" dirty="0">
+                <a:effectLst/>
+                <a:latin typeface="Söhne"/>
+              </a:rPr>
+              <a:t>Precision</a:t>
+            </a:r>
+            <a:r>
+              <a:rPr lang="en-US" b="0" i="0" dirty="0">
+                <a:effectLst/>
+                <a:latin typeface="Söhne"/>
+              </a:rPr>
+              <a:t>: </a:t>
+            </a:r>
+            <a:r>
+              <a:rPr lang="en-US" b="0" i="0" dirty="0">
+                <a:effectLst/>
+                <a:latin typeface="KaTeX_Main"/>
+              </a:rPr>
+              <a:t>0.7025</a:t>
+            </a:r>
+            <a:r>
+              <a:rPr lang="en-US" b="0" i="0" dirty="0">
+                <a:effectLst/>
+                <a:latin typeface="Söhne"/>
+              </a:rPr>
+              <a:t> Out of all the transactions predicted as fraudulent, </a:t>
+            </a:r>
+            <a:r>
+              <a:rPr lang="en-US" b="0" i="0" dirty="0">
+                <a:effectLst/>
+                <a:latin typeface="KaTeX_Main"/>
+              </a:rPr>
+              <a:t>70.25%70.25%</a:t>
+            </a:r>
+            <a:r>
+              <a:rPr lang="en-US" b="0" i="0" dirty="0">
+                <a:effectLst/>
+                <a:latin typeface="Söhne"/>
+              </a:rPr>
+              <a:t> were actually fraudulent.</a:t>
+            </a:r>
+          </a:p>
+          <a:p>
+            <a:pPr marL="742950" lvl="1" indent="-285750" algn="l">
+              <a:buFont typeface="Arial" panose="020B0604020202020204" pitchFamily="34" charset="0"/>
+              <a:buChar char="•"/>
+            </a:pPr>
+            <a:r>
+              <a:rPr lang="en-US" b="1" i="0" dirty="0">
+                <a:effectLst/>
+                <a:latin typeface="Söhne"/>
+              </a:rPr>
+              <a:t>Recall</a:t>
+            </a:r>
+            <a:r>
+              <a:rPr lang="en-US" b="0" i="0" dirty="0">
+                <a:effectLst/>
+                <a:latin typeface="Söhne"/>
+              </a:rPr>
+              <a:t>: </a:t>
+            </a:r>
+            <a:r>
+              <a:rPr lang="en-US" b="0" i="0" dirty="0">
+                <a:effectLst/>
+                <a:latin typeface="KaTeX_Main"/>
+              </a:rPr>
+              <a:t>0.8431</a:t>
+            </a:r>
+            <a:r>
+              <a:rPr lang="en-US" b="0" i="0" dirty="0">
+                <a:effectLst/>
+                <a:latin typeface="Söhne"/>
+              </a:rPr>
+              <a:t> Out of all the actual fraudulent transactions, </a:t>
+            </a:r>
+            <a:r>
+              <a:rPr lang="en-US" b="0" i="0" dirty="0">
+                <a:effectLst/>
+                <a:latin typeface="KaTeX_Main"/>
+              </a:rPr>
+              <a:t>84.31%84.31%</a:t>
+            </a:r>
+            <a:r>
+              <a:rPr lang="en-US" b="0" i="0" dirty="0">
+                <a:effectLst/>
+                <a:latin typeface="Söhne"/>
+              </a:rPr>
+              <a:t> were correctly identified.</a:t>
+            </a:r>
+          </a:p>
+          <a:p>
+            <a:pPr marL="742950" lvl="1" indent="-285750" algn="l">
+              <a:buFont typeface="Arial" panose="020B0604020202020204" pitchFamily="34" charset="0"/>
+              <a:buChar char="•"/>
+            </a:pPr>
+            <a:r>
+              <a:rPr lang="en-US" b="1" i="0" dirty="0">
+                <a:effectLst/>
+                <a:latin typeface="Söhne"/>
+              </a:rPr>
+              <a:t>F1-Score</a:t>
+            </a:r>
+            <a:r>
+              <a:rPr lang="en-US" b="0" i="0" dirty="0">
+                <a:effectLst/>
+                <a:latin typeface="Söhne"/>
+              </a:rPr>
+              <a:t>: </a:t>
+            </a:r>
+            <a:r>
+              <a:rPr lang="en-US" b="0" i="0" dirty="0">
+                <a:effectLst/>
+                <a:latin typeface="KaTeX_Main"/>
+              </a:rPr>
+              <a:t>0.7664</a:t>
+            </a:r>
+            <a:r>
+              <a:rPr lang="en-US" b="0" i="0" dirty="0">
+                <a:effectLst/>
+                <a:latin typeface="Söhne"/>
+              </a:rPr>
+              <a:t> Again, this metric provides a balance between precision and recall for fraudulent transactions.</a:t>
             </a:r>
           </a:p>
           <a:p>
@@ -9181,6 +9420,136 @@
           </a:p>
           <a:p>
             <a:endParaRPr lang="en-US" sz="2400" dirty="0"/>
+          </a:p>
+        </p:txBody>
+      </p:sp>
+      <p:pic>
+        <p:nvPicPr>
+          <p:cNvPr id="5" name="Picture 4">
+            <a:extLst>
+              <a:ext uri="{FF2B5EF4-FFF2-40B4-BE49-F238E27FC236}">
+                <a16:creationId xmlns:a16="http://schemas.microsoft.com/office/drawing/2014/main" id="{99BA628C-FC58-B0D2-A7CB-ADABBAC83586}"/>
+              </a:ext>
+            </a:extLst>
+          </p:cNvPr>
+          <p:cNvPicPr>
+            <a:picLocks noChangeAspect="1"/>
+          </p:cNvPicPr>
+          <p:nvPr/>
+        </p:nvPicPr>
+        <p:blipFill>
+          <a:blip r:embed="rId2"/>
+          <a:stretch>
+            <a:fillRect/>
+          </a:stretch>
+        </p:blipFill>
+        <p:spPr>
+          <a:xfrm>
+            <a:off x="8612111" y="3174130"/>
+            <a:ext cx="3341433" cy="1624008"/>
+          </a:xfrm>
+          <a:prstGeom prst="rect">
+            <a:avLst/>
+          </a:prstGeom>
+        </p:spPr>
+      </p:pic>
+      <p:pic>
+        <p:nvPicPr>
+          <p:cNvPr id="9" name="Picture 8">
+            <a:extLst>
+              <a:ext uri="{FF2B5EF4-FFF2-40B4-BE49-F238E27FC236}">
+                <a16:creationId xmlns:a16="http://schemas.microsoft.com/office/drawing/2014/main" id="{A3285DE1-FE75-09FF-E343-281E6D15562B}"/>
+              </a:ext>
+            </a:extLst>
+          </p:cNvPr>
+          <p:cNvPicPr>
+            <a:picLocks noChangeAspect="1"/>
+          </p:cNvPicPr>
+          <p:nvPr/>
+        </p:nvPicPr>
+        <p:blipFill>
+          <a:blip r:embed="rId3"/>
+          <a:stretch>
+            <a:fillRect/>
+          </a:stretch>
+        </p:blipFill>
+        <p:spPr>
+          <a:xfrm>
+            <a:off x="8612112" y="1363091"/>
+            <a:ext cx="3341433" cy="1624009"/>
+          </a:xfrm>
+          <a:prstGeom prst="rect">
+            <a:avLst/>
+          </a:prstGeom>
+        </p:spPr>
+      </p:pic>
+      <p:sp>
+        <p:nvSpPr>
+          <p:cNvPr id="10" name="TextBox 9">
+            <a:extLst>
+              <a:ext uri="{FF2B5EF4-FFF2-40B4-BE49-F238E27FC236}">
+                <a16:creationId xmlns:a16="http://schemas.microsoft.com/office/drawing/2014/main" id="{86536431-25D7-727E-3918-CD7625B21F6D}"/>
+              </a:ext>
+            </a:extLst>
+          </p:cNvPr>
+          <p:cNvSpPr txBox="1"/>
+          <p:nvPr/>
+        </p:nvSpPr>
+        <p:spPr>
+          <a:xfrm>
+            <a:off x="7022043" y="1293370"/>
+            <a:ext cx="1915127" cy="369332"/>
+          </a:xfrm>
+          <a:prstGeom prst="rect">
+            <a:avLst/>
+          </a:prstGeom>
+          <a:noFill/>
+        </p:spPr>
+        <p:txBody>
+          <a:bodyPr wrap="square" rtlCol="0">
+            <a:spAutoFit/>
+          </a:bodyPr>
+          <a:lstStyle/>
+          <a:p>
+            <a:r>
+              <a:rPr lang="en-US" dirty="0"/>
+              <a:t>Before SMOTE:</a:t>
+            </a:r>
+          </a:p>
+        </p:txBody>
+      </p:sp>
+      <p:sp>
+        <p:nvSpPr>
+          <p:cNvPr id="11" name="TextBox 10">
+            <a:extLst>
+              <a:ext uri="{FF2B5EF4-FFF2-40B4-BE49-F238E27FC236}">
+                <a16:creationId xmlns:a16="http://schemas.microsoft.com/office/drawing/2014/main" id="{4B146B8A-646D-4CD7-7B0A-3ABE079BA8A4}"/>
+              </a:ext>
+            </a:extLst>
+          </p:cNvPr>
+          <p:cNvSpPr txBox="1"/>
+          <p:nvPr/>
+        </p:nvSpPr>
+        <p:spPr>
+          <a:xfrm>
+            <a:off x="7029143" y="3256554"/>
+            <a:ext cx="1915127" cy="369332"/>
+          </a:xfrm>
+          <a:prstGeom prst="rect">
+            <a:avLst/>
+          </a:prstGeom>
+          <a:noFill/>
+        </p:spPr>
+        <p:txBody>
+          <a:bodyPr wrap="square" rtlCol="0">
+            <a:spAutoFit/>
+          </a:bodyPr>
+          <a:lstStyle/>
+          <a:p>
+            <a:r>
+              <a:rPr lang="en-US" dirty="0"/>
+              <a:t>After SMOTE:</a:t>
+            </a:r>
           </a:p>
         </p:txBody>
       </p:sp>
@@ -10007,11 +10376,17 @@
           </a:lstStyle>
           <a:p>
             <a:r>
+              <a:rPr lang="en-US" sz="1800" dirty="0">
+                <a:latin typeface="source-serif-pro"/>
+              </a:rPr>
+              <a:t>Hyperparameter</a:t>
+            </a:r>
+            <a:r>
               <a:rPr lang="en-US" sz="1800" i="0" dirty="0">
                 <a:effectLst/>
                 <a:latin typeface="source-serif-pro"/>
               </a:rPr>
-              <a:t>Fine tuning can be done using G</a:t>
+              <a:t> tuning can be done using G</a:t>
             </a:r>
             <a:r>
               <a:rPr lang="en-US" sz="1800" dirty="0">
@@ -10104,8 +10479,8 @@
         </p:blipFill>
         <p:spPr bwMode="auto">
           <a:xfrm>
-            <a:off x="2250968" y="2291616"/>
-            <a:ext cx="5288520" cy="2789606"/>
+            <a:off x="2250968" y="2429476"/>
+            <a:ext cx="4875782" cy="2571893"/>
           </a:xfrm>
           <a:prstGeom prst="rect">
             <a:avLst/>
@@ -10138,8 +10513,889 @@
         </p:nvSpPr>
         <p:spPr>
           <a:xfrm>
-            <a:off x="2038662" y="5088363"/>
-            <a:ext cx="7407262" cy="1609059"/>
+            <a:off x="2147976" y="5088363"/>
+            <a:ext cx="9505169" cy="1609059"/>
+          </a:xfrm>
+          <a:prstGeom prst="rect">
+            <a:avLst/>
+          </a:prstGeom>
+        </p:spPr>
+        <p:txBody>
+          <a:bodyPr vert="horz" lIns="91440" tIns="45720" rIns="91440" bIns="45720" rtlCol="0">
+            <a:normAutofit lnSpcReduction="10000"/>
+          </a:bodyPr>
+          <a:lstStyle>
+            <a:lvl1pPr marL="228600" indent="-228600" algn="l" defTabSz="914400" rtl="0" eaLnBrk="1" latinLnBrk="0" hangingPunct="1">
+              <a:lnSpc>
+                <a:spcPct val="90000"/>
+              </a:lnSpc>
+              <a:spcBef>
+                <a:spcPts val="1000"/>
+              </a:spcBef>
+              <a:buFont typeface="Arial" panose="020B0604020202020204" pitchFamily="34" charset="0"/>
+              <a:buChar char="•"/>
+              <a:defRPr sz="2800" kern="1200">
+                <a:solidFill>
+                  <a:schemeClr val="tx1"/>
+                </a:solidFill>
+                <a:latin typeface="+mn-lt"/>
+                <a:ea typeface="+mn-ea"/>
+                <a:cs typeface="+mn-cs"/>
+              </a:defRPr>
+            </a:lvl1pPr>
+            <a:lvl2pPr marL="685800" indent="-228600" algn="l" defTabSz="914400" rtl="0" eaLnBrk="1" latinLnBrk="0" hangingPunct="1">
+              <a:lnSpc>
+                <a:spcPct val="90000"/>
+              </a:lnSpc>
+              <a:spcBef>
+                <a:spcPts val="500"/>
+              </a:spcBef>
+              <a:buFont typeface="Arial" panose="020B0604020202020204" pitchFamily="34" charset="0"/>
+              <a:buChar char="•"/>
+              <a:defRPr sz="2400" kern="1200">
+                <a:solidFill>
+                  <a:schemeClr val="tx1"/>
+                </a:solidFill>
+                <a:latin typeface="+mn-lt"/>
+                <a:ea typeface="+mn-ea"/>
+                <a:cs typeface="+mn-cs"/>
+              </a:defRPr>
+            </a:lvl2pPr>
+            <a:lvl3pPr marL="1143000" indent="-228600" algn="l" defTabSz="914400" rtl="0" eaLnBrk="1" latinLnBrk="0" hangingPunct="1">
+              <a:lnSpc>
+                <a:spcPct val="90000"/>
+              </a:lnSpc>
+              <a:spcBef>
+                <a:spcPts val="500"/>
+              </a:spcBef>
+              <a:buFont typeface="Arial" panose="020B0604020202020204" pitchFamily="34" charset="0"/>
+              <a:buChar char="•"/>
+              <a:defRPr sz="2000" kern="1200">
+                <a:solidFill>
+                  <a:schemeClr val="tx1"/>
+                </a:solidFill>
+                <a:latin typeface="+mn-lt"/>
+                <a:ea typeface="+mn-ea"/>
+                <a:cs typeface="+mn-cs"/>
+              </a:defRPr>
+            </a:lvl3pPr>
+            <a:lvl4pPr marL="1600200" indent="-228600" algn="l" defTabSz="914400" rtl="0" eaLnBrk="1" latinLnBrk="0" hangingPunct="1">
+              <a:lnSpc>
+                <a:spcPct val="90000"/>
+              </a:lnSpc>
+              <a:spcBef>
+                <a:spcPts val="500"/>
+              </a:spcBef>
+              <a:buFont typeface="Arial" panose="020B0604020202020204" pitchFamily="34" charset="0"/>
+              <a:buChar char="•"/>
+              <a:defRPr sz="1800" kern="1200">
+                <a:solidFill>
+                  <a:schemeClr val="tx1"/>
+                </a:solidFill>
+                <a:latin typeface="+mn-lt"/>
+                <a:ea typeface="+mn-ea"/>
+                <a:cs typeface="+mn-cs"/>
+              </a:defRPr>
+            </a:lvl4pPr>
+            <a:lvl5pPr marL="2057400" indent="-228600" algn="l" defTabSz="914400" rtl="0" eaLnBrk="1" latinLnBrk="0" hangingPunct="1">
+              <a:lnSpc>
+                <a:spcPct val="90000"/>
+              </a:lnSpc>
+              <a:spcBef>
+                <a:spcPts val="500"/>
+              </a:spcBef>
+              <a:buFont typeface="Arial" panose="020B0604020202020204" pitchFamily="34" charset="0"/>
+              <a:buChar char="•"/>
+              <a:defRPr sz="1800" kern="1200">
+                <a:solidFill>
+                  <a:schemeClr val="tx1"/>
+                </a:solidFill>
+                <a:latin typeface="+mn-lt"/>
+                <a:ea typeface="+mn-ea"/>
+                <a:cs typeface="+mn-cs"/>
+              </a:defRPr>
+            </a:lvl5pPr>
+            <a:lvl6pPr marL="2514600" indent="-228600" algn="l" defTabSz="914400" rtl="0" eaLnBrk="1" latinLnBrk="0" hangingPunct="1">
+              <a:lnSpc>
+                <a:spcPct val="90000"/>
+              </a:lnSpc>
+              <a:spcBef>
+                <a:spcPts val="500"/>
+              </a:spcBef>
+              <a:buFont typeface="Arial" panose="020B0604020202020204" pitchFamily="34" charset="0"/>
+              <a:buChar char="•"/>
+              <a:defRPr sz="1800" kern="1200">
+                <a:solidFill>
+                  <a:schemeClr val="tx1"/>
+                </a:solidFill>
+                <a:latin typeface="+mn-lt"/>
+                <a:ea typeface="+mn-ea"/>
+                <a:cs typeface="+mn-cs"/>
+              </a:defRPr>
+            </a:lvl6pPr>
+            <a:lvl7pPr marL="2971800" indent="-228600" algn="l" defTabSz="914400" rtl="0" eaLnBrk="1" latinLnBrk="0" hangingPunct="1">
+              <a:lnSpc>
+                <a:spcPct val="90000"/>
+              </a:lnSpc>
+              <a:spcBef>
+                <a:spcPts val="500"/>
+              </a:spcBef>
+              <a:buFont typeface="Arial" panose="020B0604020202020204" pitchFamily="34" charset="0"/>
+              <a:buChar char="•"/>
+              <a:defRPr sz="1800" kern="1200">
+                <a:solidFill>
+                  <a:schemeClr val="tx1"/>
+                </a:solidFill>
+                <a:latin typeface="+mn-lt"/>
+                <a:ea typeface="+mn-ea"/>
+                <a:cs typeface="+mn-cs"/>
+              </a:defRPr>
+            </a:lvl7pPr>
+            <a:lvl8pPr marL="3429000" indent="-228600" algn="l" defTabSz="914400" rtl="0" eaLnBrk="1" latinLnBrk="0" hangingPunct="1">
+              <a:lnSpc>
+                <a:spcPct val="90000"/>
+              </a:lnSpc>
+              <a:spcBef>
+                <a:spcPts val="500"/>
+              </a:spcBef>
+              <a:buFont typeface="Arial" panose="020B0604020202020204" pitchFamily="34" charset="0"/>
+              <a:buChar char="•"/>
+              <a:defRPr sz="1800" kern="1200">
+                <a:solidFill>
+                  <a:schemeClr val="tx1"/>
+                </a:solidFill>
+                <a:latin typeface="+mn-lt"/>
+                <a:ea typeface="+mn-ea"/>
+                <a:cs typeface="+mn-cs"/>
+              </a:defRPr>
+            </a:lvl8pPr>
+            <a:lvl9pPr marL="3886200" indent="-228600" algn="l" defTabSz="914400" rtl="0" eaLnBrk="1" latinLnBrk="0" hangingPunct="1">
+              <a:lnSpc>
+                <a:spcPct val="90000"/>
+              </a:lnSpc>
+              <a:spcBef>
+                <a:spcPts val="500"/>
+              </a:spcBef>
+              <a:buFont typeface="Arial" panose="020B0604020202020204" pitchFamily="34" charset="0"/>
+              <a:buChar char="•"/>
+              <a:defRPr sz="1800" kern="1200">
+                <a:solidFill>
+                  <a:schemeClr val="tx1"/>
+                </a:solidFill>
+                <a:latin typeface="+mn-lt"/>
+                <a:ea typeface="+mn-ea"/>
+                <a:cs typeface="+mn-cs"/>
+              </a:defRPr>
+            </a:lvl9pPr>
+          </a:lstStyle>
+          <a:p>
+            <a:r>
+              <a:rPr lang="en-US" sz="1800" i="0" dirty="0">
+                <a:effectLst/>
+                <a:latin typeface="source-serif-pro"/>
+              </a:rPr>
+              <a:t>“category” , “amount”, are contributing the most and as found in EDA, some categories have the significantly higher percentages of frauds compared to others and usually frauds tend to have higher amounts that non fraudulent transactions </a:t>
+            </a:r>
+            <a:endParaRPr lang="en-US" sz="1800" dirty="0">
+              <a:latin typeface="source-serif-pro"/>
+            </a:endParaRPr>
+          </a:p>
+          <a:p>
+            <a:r>
+              <a:rPr lang="en-US" sz="1800" dirty="0">
+                <a:latin typeface="source-serif-pro"/>
+              </a:rPr>
+              <a:t>Sometimes, a small increase in recall (detecting more actual fraud cases) might be more valuable, even if it comes at the cost of a lower precision (more false positives). The business cost of missing a fraud might be much higher than the cost of a false alarm.</a:t>
+            </a:r>
+          </a:p>
+          <a:p>
+            <a:endParaRPr lang="en-US" sz="1800" i="0" dirty="0">
+              <a:effectLst/>
+              <a:latin typeface="Söhne"/>
+            </a:endParaRPr>
+          </a:p>
+          <a:p>
+            <a:endParaRPr lang="en-US" sz="1800" dirty="0">
+              <a:latin typeface="source-serif-pro"/>
+            </a:endParaRPr>
+          </a:p>
+          <a:p>
+            <a:endParaRPr lang="en-US" sz="1800" dirty="0">
+              <a:latin typeface="source-serif-pro"/>
+            </a:endParaRPr>
+          </a:p>
+          <a:p>
+            <a:endParaRPr lang="en-US" sz="1800" dirty="0">
+              <a:latin typeface="source-serif-pro"/>
+            </a:endParaRPr>
+          </a:p>
+          <a:p>
+            <a:endParaRPr lang="en-US" sz="1800" dirty="0">
+              <a:latin typeface="source-serif-pro"/>
+            </a:endParaRPr>
+          </a:p>
+          <a:p>
+            <a:pPr marL="0" indent="0">
+              <a:buFont typeface="Arial" panose="020B0604020202020204" pitchFamily="34" charset="0"/>
+              <a:buNone/>
+            </a:pPr>
+            <a:endParaRPr lang="en-US" sz="1800" dirty="0">
+              <a:latin typeface="source-serif-pro"/>
+            </a:endParaRPr>
+          </a:p>
+          <a:p>
+            <a:endParaRPr lang="en-US" sz="1800" dirty="0"/>
+          </a:p>
+        </p:txBody>
+      </p:sp>
+    </p:spTree>
+    <p:extLst>
+      <p:ext uri="{BB962C8B-B14F-4D97-AF65-F5344CB8AC3E}">
+        <p14:creationId xmlns:p14="http://schemas.microsoft.com/office/powerpoint/2010/main" val="3279782833"/>
+      </p:ext>
+    </p:extLst>
+  </p:cSld>
+  <p:clrMapOvr>
+    <a:masterClrMapping/>
+  </p:clrMapOvr>
+</p:sld>
+</file>
+
+<file path=ppt/slides/slide14.xml><?xml version="1.0" encoding="utf-8"?>
+<p:sld xmlns:a="http://schemas.openxmlformats.org/drawingml/2006/main" xmlns:r="http://schemas.openxmlformats.org/officeDocument/2006/relationships" xmlns:p="http://schemas.openxmlformats.org/presentationml/2006/main">
+  <p:cSld>
+    <p:bg>
+      <p:bgPr>
+        <a:solidFill>
+          <a:schemeClr val="bg1"/>
+        </a:solidFill>
+        <a:effectLst/>
+      </p:bgPr>
+    </p:bg>
+    <p:spTree>
+      <p:nvGrpSpPr>
+        <p:cNvPr id="1" name=""/>
+        <p:cNvGrpSpPr/>
+        <p:nvPr/>
+      </p:nvGrpSpPr>
+      <p:grpSpPr>
+        <a:xfrm>
+          <a:off x="0" y="0"/>
+          <a:ext cx="0" cy="0"/>
+          <a:chOff x="0" y="0"/>
+          <a:chExt cx="0" cy="0"/>
+        </a:xfrm>
+      </p:grpSpPr>
+      <p:sp>
+        <p:nvSpPr>
+          <p:cNvPr id="20" name="Rectangle 19">
+            <a:extLst>
+              <a:ext uri="{FF2B5EF4-FFF2-40B4-BE49-F238E27FC236}">
+                <a16:creationId xmlns:a16="http://schemas.microsoft.com/office/drawing/2014/main" id="{46D6306C-ED4F-4AAE-B4A5-EEA6AFAD726E}"/>
+              </a:ext>
+              <a:ext uri="{C183D7F6-B498-43B3-948B-1728B52AA6E4}">
+                <adec:decorative xmlns:adec="http://schemas.microsoft.com/office/drawing/2017/decorative" val="1"/>
+              </a:ext>
+            </a:extLst>
+          </p:cNvPr>
+          <p:cNvSpPr>
+            <a:spLocks noGrp="1" noRot="1" noChangeAspect="1" noMove="1" noResize="1" noEditPoints="1" noAdjustHandles="1" noChangeArrowheads="1" noChangeShapeType="1" noTextEdit="1"/>
+          </p:cNvSpPr>
+          <p:nvPr>
+            <p:extLst>
+              <p:ext uri="{386F3935-93C4-4BCD-93E2-E3B085C9AB24}">
+                <p16:designElem xmlns:p16="http://schemas.microsoft.com/office/powerpoint/2015/main" val="1"/>
+              </p:ext>
+            </p:extLst>
+          </p:nvPr>
+        </p:nvSpPr>
+        <p:spPr>
+          <a:xfrm>
+            <a:off x="0" y="0"/>
+            <a:ext cx="12192000" cy="6858000"/>
+          </a:xfrm>
+          <a:prstGeom prst="rect">
+            <a:avLst/>
+          </a:prstGeom>
+          <a:solidFill>
+            <a:schemeClr val="bg1"/>
+          </a:solidFill>
+          <a:ln>
+            <a:noFill/>
+          </a:ln>
+        </p:spPr>
+        <p:style>
+          <a:lnRef idx="2">
+            <a:schemeClr val="accent1">
+              <a:shade val="50000"/>
+            </a:schemeClr>
+          </a:lnRef>
+          <a:fillRef idx="1">
+            <a:schemeClr val="accent1"/>
+          </a:fillRef>
+          <a:effectRef idx="0">
+            <a:schemeClr val="accent1"/>
+          </a:effectRef>
+          <a:fontRef idx="minor">
+            <a:schemeClr val="lt1"/>
+          </a:fontRef>
+        </p:style>
+        <p:txBody>
+          <a:bodyPr rtlCol="0" anchor="ctr"/>
+          <a:lstStyle/>
+          <a:p>
+            <a:pPr algn="ctr"/>
+            <a:endParaRPr lang="en-US" dirty="0"/>
+          </a:p>
+        </p:txBody>
+      </p:sp>
+      <p:sp>
+        <p:nvSpPr>
+          <p:cNvPr id="2" name="Title 1">
+            <a:extLst>
+              <a:ext uri="{FF2B5EF4-FFF2-40B4-BE49-F238E27FC236}">
+                <a16:creationId xmlns:a16="http://schemas.microsoft.com/office/drawing/2014/main" id="{A6E9BA05-FA02-7C35-3749-C1726C026A3F}"/>
+              </a:ext>
+            </a:extLst>
+          </p:cNvPr>
+          <p:cNvSpPr>
+            <a:spLocks noGrp="1"/>
+          </p:cNvSpPr>
+          <p:nvPr>
+            <p:ph type="title"/>
+          </p:nvPr>
+        </p:nvSpPr>
+        <p:spPr>
+          <a:xfrm>
+            <a:off x="2390941" y="347717"/>
+            <a:ext cx="9262205" cy="604582"/>
+          </a:xfrm>
+        </p:spPr>
+        <p:txBody>
+          <a:bodyPr anchor="t">
+            <a:noAutofit/>
+          </a:bodyPr>
+          <a:lstStyle/>
+          <a:p>
+            <a:r>
+              <a:rPr lang="en-US" sz="4800" dirty="0"/>
+              <a:t>Results and recommendation</a:t>
+            </a:r>
+          </a:p>
+        </p:txBody>
+      </p:sp>
+      <p:sp>
+        <p:nvSpPr>
+          <p:cNvPr id="22" name="Rectangle 21">
+            <a:extLst>
+              <a:ext uri="{FF2B5EF4-FFF2-40B4-BE49-F238E27FC236}">
+                <a16:creationId xmlns:a16="http://schemas.microsoft.com/office/drawing/2014/main" id="{0EC5361D-F897-4856-B945-0455A365EB24}"/>
+              </a:ext>
+              <a:ext uri="{C183D7F6-B498-43B3-948B-1728B52AA6E4}">
+                <adec:decorative xmlns:adec="http://schemas.microsoft.com/office/drawing/2017/decorative" val="1"/>
+              </a:ext>
+            </a:extLst>
+          </p:cNvPr>
+          <p:cNvSpPr>
+            <a:spLocks noGrp="1" noRot="1" noChangeAspect="1" noMove="1" noResize="1" noEditPoints="1" noAdjustHandles="1" noChangeArrowheads="1" noChangeShapeType="1" noTextEdit="1"/>
+          </p:cNvSpPr>
+          <p:nvPr>
+            <p:extLst>
+              <p:ext uri="{386F3935-93C4-4BCD-93E2-E3B085C9AB24}">
+                <p16:designElem xmlns:p16="http://schemas.microsoft.com/office/powerpoint/2015/main" val="1"/>
+              </p:ext>
+            </p:extLst>
+          </p:nvPr>
+        </p:nvSpPr>
+        <p:spPr>
+          <a:xfrm rot="2700000">
+            <a:off x="415435" y="655140"/>
+            <a:ext cx="687472" cy="687472"/>
+          </a:xfrm>
+          <a:prstGeom prst="rect">
+            <a:avLst/>
+          </a:prstGeom>
+          <a:solidFill>
+            <a:schemeClr val="accent4">
+              <a:alpha val="30000"/>
+            </a:schemeClr>
+          </a:solidFill>
+          <a:ln>
+            <a:noFill/>
+          </a:ln>
+        </p:spPr>
+        <p:style>
+          <a:lnRef idx="2">
+            <a:schemeClr val="accent1">
+              <a:shade val="50000"/>
+            </a:schemeClr>
+          </a:lnRef>
+          <a:fillRef idx="1">
+            <a:schemeClr val="accent1"/>
+          </a:fillRef>
+          <a:effectRef idx="0">
+            <a:schemeClr val="accent1"/>
+          </a:effectRef>
+          <a:fontRef idx="minor">
+            <a:schemeClr val="lt1"/>
+          </a:fontRef>
+        </p:style>
+        <p:txBody>
+          <a:bodyPr rtlCol="0" anchor="ctr"/>
+          <a:lstStyle/>
+          <a:p>
+            <a:pPr algn="ctr"/>
+            <a:endParaRPr lang="en-US"/>
+          </a:p>
+        </p:txBody>
+      </p:sp>
+      <p:sp>
+        <p:nvSpPr>
+          <p:cNvPr id="27" name="Freeform: Shape 23">
+            <a:extLst>
+              <a:ext uri="{FF2B5EF4-FFF2-40B4-BE49-F238E27FC236}">
+                <a16:creationId xmlns:a16="http://schemas.microsoft.com/office/drawing/2014/main" id="{4508C0C5-2268-42B5-B3C8-4D0899E05F8C}"/>
+              </a:ext>
+              <a:ext uri="{C183D7F6-B498-43B3-948B-1728B52AA6E4}">
+                <adec:decorative xmlns:adec="http://schemas.microsoft.com/office/drawing/2017/decorative" val="1"/>
+              </a:ext>
+            </a:extLst>
+          </p:cNvPr>
+          <p:cNvSpPr>
+            <a:spLocks noGrp="1" noRot="1" noChangeAspect="1" noMove="1" noResize="1" noEditPoints="1" noAdjustHandles="1" noChangeArrowheads="1" noChangeShapeType="1" noTextEdit="1"/>
+          </p:cNvSpPr>
+          <p:nvPr>
+            <p:extLst>
+              <p:ext uri="{386F3935-93C4-4BCD-93E2-E3B085C9AB24}">
+                <p16:designElem xmlns:p16="http://schemas.microsoft.com/office/powerpoint/2015/main" val="1"/>
+              </p:ext>
+            </p:extLst>
+          </p:nvPr>
+        </p:nvSpPr>
+        <p:spPr>
+          <a:xfrm rot="10800000">
+            <a:off x="0" y="0"/>
+            <a:ext cx="2835357" cy="1480837"/>
+          </a:xfrm>
+          <a:custGeom>
+            <a:avLst/>
+            <a:gdLst>
+              <a:gd name="connsiteX0" fmla="*/ 2835357 w 2835357"/>
+              <a:gd name="connsiteY0" fmla="*/ 1480837 h 1480837"/>
+              <a:gd name="connsiteX1" fmla="*/ 0 w 2835357"/>
+              <a:gd name="connsiteY1" fmla="*/ 1480837 h 1480837"/>
+              <a:gd name="connsiteX2" fmla="*/ 1552727 w 2835357"/>
+              <a:gd name="connsiteY2" fmla="*/ 0 h 1480837"/>
+              <a:gd name="connsiteX3" fmla="*/ 2835357 w 2835357"/>
+              <a:gd name="connsiteY3" fmla="*/ 1223245 h 1480837"/>
+            </a:gdLst>
+            <a:ahLst/>
+            <a:cxnLst>
+              <a:cxn ang="0">
+                <a:pos x="connsiteX0" y="connsiteY0"/>
+              </a:cxn>
+              <a:cxn ang="0">
+                <a:pos x="connsiteX1" y="connsiteY1"/>
+              </a:cxn>
+              <a:cxn ang="0">
+                <a:pos x="connsiteX2" y="connsiteY2"/>
+              </a:cxn>
+              <a:cxn ang="0">
+                <a:pos x="connsiteX3" y="connsiteY3"/>
+              </a:cxn>
+            </a:cxnLst>
+            <a:rect l="l" t="t" r="r" b="b"/>
+            <a:pathLst>
+              <a:path w="2835357" h="1480837">
+                <a:moveTo>
+                  <a:pt x="2835357" y="1480837"/>
+                </a:moveTo>
+                <a:lnTo>
+                  <a:pt x="0" y="1480837"/>
+                </a:lnTo>
+                <a:lnTo>
+                  <a:pt x="1552727" y="0"/>
+                </a:lnTo>
+                <a:lnTo>
+                  <a:pt x="2835357" y="1223245"/>
+                </a:lnTo>
+                <a:close/>
+              </a:path>
+            </a:pathLst>
+          </a:custGeom>
+          <a:solidFill>
+            <a:schemeClr val="accent4">
+              <a:alpha val="30000"/>
+            </a:schemeClr>
+          </a:solidFill>
+          <a:ln>
+            <a:noFill/>
+          </a:ln>
+        </p:spPr>
+        <p:style>
+          <a:lnRef idx="2">
+            <a:schemeClr val="accent1">
+              <a:shade val="50000"/>
+            </a:schemeClr>
+          </a:lnRef>
+          <a:fillRef idx="1">
+            <a:schemeClr val="accent1"/>
+          </a:fillRef>
+          <a:effectRef idx="0">
+            <a:schemeClr val="accent1"/>
+          </a:effectRef>
+          <a:fontRef idx="minor">
+            <a:schemeClr val="lt1"/>
+          </a:fontRef>
+        </p:style>
+        <p:txBody>
+          <a:bodyPr wrap="square" rtlCol="0" anchor="ctr">
+            <a:noAutofit/>
+          </a:bodyPr>
+          <a:lstStyle/>
+          <a:p>
+            <a:pPr algn="ctr"/>
+            <a:endParaRPr lang="en-US" dirty="0"/>
+          </a:p>
+        </p:txBody>
+      </p:sp>
+      <p:sp>
+        <p:nvSpPr>
+          <p:cNvPr id="26" name="Freeform: Shape 25">
+            <a:extLst>
+              <a:ext uri="{FF2B5EF4-FFF2-40B4-BE49-F238E27FC236}">
+                <a16:creationId xmlns:a16="http://schemas.microsoft.com/office/drawing/2014/main" id="{141ACBDB-38F8-4B34-8183-BD95B4E55A62}"/>
+              </a:ext>
+              <a:ext uri="{C183D7F6-B498-43B3-948B-1728B52AA6E4}">
+                <adec:decorative xmlns:adec="http://schemas.microsoft.com/office/drawing/2017/decorative" val="1"/>
+              </a:ext>
+            </a:extLst>
+          </p:cNvPr>
+          <p:cNvSpPr>
+            <a:spLocks noGrp="1" noRot="1" noChangeAspect="1" noMove="1" noResize="1" noEditPoints="1" noAdjustHandles="1" noChangeArrowheads="1" noChangeShapeType="1" noTextEdit="1"/>
+          </p:cNvSpPr>
+          <p:nvPr>
+            <p:extLst>
+              <p:ext uri="{386F3935-93C4-4BCD-93E2-E3B085C9AB24}">
+                <p16:designElem xmlns:p16="http://schemas.microsoft.com/office/powerpoint/2015/main" val="1"/>
+              </p:ext>
+            </p:extLst>
+          </p:nvPr>
+        </p:nvSpPr>
+        <p:spPr>
+          <a:xfrm rot="2700000">
+            <a:off x="10739327" y="-253670"/>
+            <a:ext cx="1827638" cy="1376989"/>
+          </a:xfrm>
+          <a:custGeom>
+            <a:avLst/>
+            <a:gdLst>
+              <a:gd name="connsiteX0" fmla="*/ 0 w 1827638"/>
+              <a:gd name="connsiteY0" fmla="*/ 987379 h 1376989"/>
+              <a:gd name="connsiteX1" fmla="*/ 987379 w 1827638"/>
+              <a:gd name="connsiteY1" fmla="*/ 0 h 1376989"/>
+              <a:gd name="connsiteX2" fmla="*/ 1827638 w 1827638"/>
+              <a:gd name="connsiteY2" fmla="*/ 840260 h 1376989"/>
+              <a:gd name="connsiteX3" fmla="*/ 1827638 w 1827638"/>
+              <a:gd name="connsiteY3" fmla="*/ 1376989 h 1376989"/>
+              <a:gd name="connsiteX4" fmla="*/ 0 w 1827638"/>
+              <a:gd name="connsiteY4" fmla="*/ 1376989 h 1376989"/>
+            </a:gdLst>
+            <a:ahLst/>
+            <a:cxnLst>
+              <a:cxn ang="0">
+                <a:pos x="connsiteX0" y="connsiteY0"/>
+              </a:cxn>
+              <a:cxn ang="0">
+                <a:pos x="connsiteX1" y="connsiteY1"/>
+              </a:cxn>
+              <a:cxn ang="0">
+                <a:pos x="connsiteX2" y="connsiteY2"/>
+              </a:cxn>
+              <a:cxn ang="0">
+                <a:pos x="connsiteX3" y="connsiteY3"/>
+              </a:cxn>
+              <a:cxn ang="0">
+                <a:pos x="connsiteX4" y="connsiteY4"/>
+              </a:cxn>
+            </a:cxnLst>
+            <a:rect l="l" t="t" r="r" b="b"/>
+            <a:pathLst>
+              <a:path w="1827638" h="1376989">
+                <a:moveTo>
+                  <a:pt x="0" y="987379"/>
+                </a:moveTo>
+                <a:lnTo>
+                  <a:pt x="987379" y="0"/>
+                </a:lnTo>
+                <a:lnTo>
+                  <a:pt x="1827638" y="840260"/>
+                </a:lnTo>
+                <a:lnTo>
+                  <a:pt x="1827638" y="1376989"/>
+                </a:lnTo>
+                <a:lnTo>
+                  <a:pt x="0" y="1376989"/>
+                </a:lnTo>
+                <a:close/>
+              </a:path>
+            </a:pathLst>
+          </a:custGeom>
+          <a:solidFill>
+            <a:schemeClr val="accent1">
+              <a:alpha val="30000"/>
+            </a:schemeClr>
+          </a:solidFill>
+          <a:ln>
+            <a:noFill/>
+          </a:ln>
+        </p:spPr>
+        <p:style>
+          <a:lnRef idx="2">
+            <a:schemeClr val="accent1">
+              <a:shade val="50000"/>
+            </a:schemeClr>
+          </a:lnRef>
+          <a:fillRef idx="1">
+            <a:schemeClr val="accent1"/>
+          </a:fillRef>
+          <a:effectRef idx="0">
+            <a:schemeClr val="accent1"/>
+          </a:effectRef>
+          <a:fontRef idx="minor">
+            <a:schemeClr val="lt1"/>
+          </a:fontRef>
+        </p:style>
+        <p:txBody>
+          <a:bodyPr wrap="square" rtlCol="0" anchor="ctr">
+            <a:noAutofit/>
+          </a:bodyPr>
+          <a:lstStyle/>
+          <a:p>
+            <a:pPr algn="ctr"/>
+            <a:endParaRPr lang="en-US" dirty="0"/>
+          </a:p>
+        </p:txBody>
+      </p:sp>
+      <p:sp>
+        <p:nvSpPr>
+          <p:cNvPr id="28" name="Rectangle 27">
+            <a:extLst>
+              <a:ext uri="{FF2B5EF4-FFF2-40B4-BE49-F238E27FC236}">
+                <a16:creationId xmlns:a16="http://schemas.microsoft.com/office/drawing/2014/main" id="{DE00DB52-3455-4E2F-867B-A6D0516E175B}"/>
+              </a:ext>
+              <a:ext uri="{C183D7F6-B498-43B3-948B-1728B52AA6E4}">
+                <adec:decorative xmlns:adec="http://schemas.microsoft.com/office/drawing/2017/decorative" val="1"/>
+              </a:ext>
+            </a:extLst>
+          </p:cNvPr>
+          <p:cNvSpPr>
+            <a:spLocks noGrp="1" noRot="1" noChangeAspect="1" noMove="1" noResize="1" noEditPoints="1" noAdjustHandles="1" noChangeArrowheads="1" noChangeShapeType="1" noTextEdit="1"/>
+          </p:cNvSpPr>
+          <p:nvPr>
+            <p:extLst>
+              <p:ext uri="{386F3935-93C4-4BCD-93E2-E3B085C9AB24}">
+                <p16:designElem xmlns:p16="http://schemas.microsoft.com/office/powerpoint/2015/main" val="1"/>
+              </p:ext>
+            </p:extLst>
+          </p:nvPr>
+        </p:nvSpPr>
+        <p:spPr>
+          <a:xfrm rot="2700000">
+            <a:off x="10653800" y="422146"/>
+            <a:ext cx="645368" cy="645368"/>
+          </a:xfrm>
+          <a:prstGeom prst="rect">
+            <a:avLst/>
+          </a:prstGeom>
+          <a:solidFill>
+            <a:schemeClr val="accent1">
+              <a:alpha val="30000"/>
+            </a:schemeClr>
+          </a:solidFill>
+          <a:ln>
+            <a:noFill/>
+          </a:ln>
+        </p:spPr>
+        <p:style>
+          <a:lnRef idx="2">
+            <a:schemeClr val="accent1">
+              <a:shade val="50000"/>
+            </a:schemeClr>
+          </a:lnRef>
+          <a:fillRef idx="1">
+            <a:schemeClr val="accent1"/>
+          </a:fillRef>
+          <a:effectRef idx="0">
+            <a:schemeClr val="accent1"/>
+          </a:effectRef>
+          <a:fontRef idx="minor">
+            <a:schemeClr val="lt1"/>
+          </a:fontRef>
+        </p:style>
+        <p:txBody>
+          <a:bodyPr wrap="square" rtlCol="0" anchor="ctr">
+            <a:noAutofit/>
+          </a:bodyPr>
+          <a:lstStyle/>
+          <a:p>
+            <a:pPr algn="ctr"/>
+            <a:endParaRPr lang="en-US"/>
+          </a:p>
+        </p:txBody>
+      </p:sp>
+      <p:sp>
+        <p:nvSpPr>
+          <p:cNvPr id="30" name="Isosceles Triangle 29">
+            <a:extLst>
+              <a:ext uri="{FF2B5EF4-FFF2-40B4-BE49-F238E27FC236}">
+                <a16:creationId xmlns:a16="http://schemas.microsoft.com/office/drawing/2014/main" id="{9E914C83-E0D8-4953-92D5-169D28CB43AE}"/>
+              </a:ext>
+              <a:ext uri="{C183D7F6-B498-43B3-948B-1728B52AA6E4}">
+                <adec:decorative xmlns:adec="http://schemas.microsoft.com/office/drawing/2017/decorative" val="1"/>
+              </a:ext>
+            </a:extLst>
+          </p:cNvPr>
+          <p:cNvSpPr>
+            <a:spLocks noGrp="1" noRot="1" noChangeAspect="1" noMove="1" noResize="1" noEditPoints="1" noAdjustHandles="1" noChangeArrowheads="1" noChangeShapeType="1" noTextEdit="1"/>
+          </p:cNvSpPr>
+          <p:nvPr>
+            <p:extLst>
+              <p:ext uri="{386F3935-93C4-4BCD-93E2-E3B085C9AB24}">
+                <p16:designElem xmlns:p16="http://schemas.microsoft.com/office/powerpoint/2015/main" val="1"/>
+              </p:ext>
+            </p:extLst>
+          </p:nvPr>
+        </p:nvSpPr>
+        <p:spPr>
+          <a:xfrm>
+            <a:off x="8115423" y="6115501"/>
+            <a:ext cx="1494513" cy="742499"/>
+          </a:xfrm>
+          <a:prstGeom prst="triangle">
+            <a:avLst/>
+          </a:prstGeom>
+          <a:solidFill>
+            <a:schemeClr val="accent1">
+              <a:alpha val="30000"/>
+            </a:schemeClr>
+          </a:solidFill>
+          <a:ln>
+            <a:noFill/>
+          </a:ln>
+        </p:spPr>
+        <p:style>
+          <a:lnRef idx="2">
+            <a:schemeClr val="accent1">
+              <a:shade val="50000"/>
+            </a:schemeClr>
+          </a:lnRef>
+          <a:fillRef idx="1">
+            <a:schemeClr val="accent1"/>
+          </a:fillRef>
+          <a:effectRef idx="0">
+            <a:schemeClr val="accent1"/>
+          </a:effectRef>
+          <a:fontRef idx="minor">
+            <a:schemeClr val="lt1"/>
+          </a:fontRef>
+        </p:style>
+        <p:txBody>
+          <a:bodyPr wrap="square" rtlCol="0" anchor="ctr">
+            <a:noAutofit/>
+          </a:bodyPr>
+          <a:lstStyle/>
+          <a:p>
+            <a:pPr algn="ctr"/>
+            <a:endParaRPr lang="en-US"/>
+          </a:p>
+        </p:txBody>
+      </p:sp>
+      <p:sp>
+        <p:nvSpPr>
+          <p:cNvPr id="32" name="Isosceles Triangle 31">
+            <a:extLst>
+              <a:ext uri="{FF2B5EF4-FFF2-40B4-BE49-F238E27FC236}">
+                <a16:creationId xmlns:a16="http://schemas.microsoft.com/office/drawing/2014/main" id="{3512E083-F550-46AF-8490-767ECFD00CB7}"/>
+              </a:ext>
+              <a:ext uri="{C183D7F6-B498-43B3-948B-1728B52AA6E4}">
+                <adec:decorative xmlns:adec="http://schemas.microsoft.com/office/drawing/2017/decorative" val="1"/>
+              </a:ext>
+            </a:extLst>
+          </p:cNvPr>
+          <p:cNvSpPr>
+            <a:spLocks noGrp="1" noRot="1" noChangeAspect="1" noMove="1" noResize="1" noEditPoints="1" noAdjustHandles="1" noChangeArrowheads="1" noChangeShapeType="1" noTextEdit="1"/>
+          </p:cNvSpPr>
+          <p:nvPr>
+            <p:extLst>
+              <p:ext uri="{386F3935-93C4-4BCD-93E2-E3B085C9AB24}">
+                <p16:designElem xmlns:p16="http://schemas.microsoft.com/office/powerpoint/2015/main" val="1"/>
+              </p:ext>
+            </p:extLst>
+          </p:nvPr>
+        </p:nvSpPr>
+        <p:spPr>
+          <a:xfrm>
+            <a:off x="9167297" y="6453143"/>
+            <a:ext cx="814903" cy="404857"/>
+          </a:xfrm>
+          <a:prstGeom prst="triangle">
+            <a:avLst/>
+          </a:prstGeom>
+          <a:solidFill>
+            <a:schemeClr val="accent1">
+              <a:alpha val="30000"/>
+            </a:schemeClr>
+          </a:solidFill>
+          <a:ln>
+            <a:noFill/>
+          </a:ln>
+        </p:spPr>
+        <p:style>
+          <a:lnRef idx="2">
+            <a:schemeClr val="accent1">
+              <a:shade val="50000"/>
+            </a:schemeClr>
+          </a:lnRef>
+          <a:fillRef idx="1">
+            <a:schemeClr val="accent1"/>
+          </a:fillRef>
+          <a:effectRef idx="0">
+            <a:schemeClr val="accent1"/>
+          </a:effectRef>
+          <a:fontRef idx="minor">
+            <a:schemeClr val="lt1"/>
+          </a:fontRef>
+        </p:style>
+        <p:txBody>
+          <a:bodyPr wrap="square" rtlCol="0" anchor="ctr">
+            <a:noAutofit/>
+          </a:bodyPr>
+          <a:lstStyle/>
+          <a:p>
+            <a:pPr algn="ctr"/>
+            <a:endParaRPr lang="en-US"/>
+          </a:p>
+        </p:txBody>
+      </p:sp>
+      <p:sp>
+        <p:nvSpPr>
+          <p:cNvPr id="3" name="Content Placeholder 2">
+            <a:extLst>
+              <a:ext uri="{FF2B5EF4-FFF2-40B4-BE49-F238E27FC236}">
+                <a16:creationId xmlns:a16="http://schemas.microsoft.com/office/drawing/2014/main" id="{AF6DA529-FAEB-40D5-CF8E-6C046D835FBB}"/>
+              </a:ext>
+            </a:extLst>
+          </p:cNvPr>
+          <p:cNvSpPr txBox="1">
+            <a:spLocks/>
+          </p:cNvSpPr>
+          <p:nvPr/>
+        </p:nvSpPr>
+        <p:spPr>
+          <a:xfrm>
+            <a:off x="2044459" y="1480838"/>
+            <a:ext cx="9505169" cy="4341992"/>
           </a:xfrm>
           <a:prstGeom prst="rect">
             <a:avLst/>
@@ -10326,16 +11582,20 @@
             </a:endParaRPr>
           </a:p>
           <a:p>
-            <a:endParaRPr lang="en-US" sz="1800" i="0" dirty="0">
-              <a:effectLst/>
-              <a:latin typeface="source-serif-pro"/>
-            </a:endParaRPr>
-          </a:p>
-          <a:p>
-            <a:endParaRPr lang="en-US" sz="1800" i="0" dirty="0">
-              <a:effectLst/>
-              <a:latin typeface="Söhne"/>
-            </a:endParaRPr>
+            <a:r>
+              <a:rPr lang="en-US" sz="1800" dirty="0">
+                <a:latin typeface="source-serif-pro"/>
+              </a:rPr>
+              <a:t>Sometimes, a small increase in recall (detecting more actual fraud cases) might be more valuable, even if it comes at the cost of a lower precision (more false positives). The business cost of missing a fraud might be much higher than the cost of a false alarm.</a:t>
+            </a:r>
+          </a:p>
+          <a:p>
+            <a:r>
+              <a:rPr lang="en-US" sz="1800" dirty="0">
+                <a:latin typeface="source-serif-pro"/>
+              </a:rPr>
+              <a:t>In conclusion, while SMOTE can be beneficial in many scenarios, it's not a one-size-fits-all solution. The best approach often requires experimentation, and it's entirely valid to achieve better results without oversampling in certain cases.</a:t>
+            </a:r>
           </a:p>
           <a:p>
             <a:endParaRPr lang="en-US" sz="1800" dirty="0">
@@ -10374,7 +11634,7 @@
     </p:spTree>
     <p:extLst>
       <p:ext uri="{BB962C8B-B14F-4D97-AF65-F5344CB8AC3E}">
-        <p14:creationId xmlns:p14="http://schemas.microsoft.com/office/powerpoint/2010/main" val="3279782833"/>
+        <p14:creationId xmlns:p14="http://schemas.microsoft.com/office/powerpoint/2010/main" val="1948396230"/>
       </p:ext>
     </p:extLst>
   </p:cSld>
@@ -12776,8 +14036,8 @@
         </p:blipFill>
         <p:spPr bwMode="auto">
           <a:xfrm>
-            <a:off x="1417678" y="3222195"/>
-            <a:ext cx="4342330" cy="3105821"/>
+            <a:off x="70213" y="3558795"/>
+            <a:ext cx="3574598" cy="2556706"/>
           </a:xfrm>
           <a:prstGeom prst="rect">
             <a:avLst/>
@@ -12823,8 +14083,55 @@
         </p:blipFill>
         <p:spPr bwMode="auto">
           <a:xfrm>
-            <a:off x="6520649" y="3222194"/>
-            <a:ext cx="4252695" cy="3105821"/>
+            <a:off x="3765331" y="3429000"/>
+            <a:ext cx="4140855" cy="3024143"/>
+          </a:xfrm>
+          <a:prstGeom prst="rect">
+            <a:avLst/>
+          </a:prstGeom>
+          <a:noFill/>
+          <a:extLst>
+            <a:ext uri="{909E8E84-426E-40DD-AFC4-6F175D3DCCD1}">
+              <a14:hiddenFill xmlns:a14="http://schemas.microsoft.com/office/drawing/2010/main">
+                <a:solidFill>
+                  <a:srgbClr val="FFFFFF"/>
+                </a:solidFill>
+              </a14:hiddenFill>
+            </a:ext>
+          </a:extLst>
+        </p:spPr>
+      </p:pic>
+      <p:pic>
+        <p:nvPicPr>
+          <p:cNvPr id="4" name="Picture 2">
+            <a:extLst>
+              <a:ext uri="{FF2B5EF4-FFF2-40B4-BE49-F238E27FC236}">
+                <a16:creationId xmlns:a16="http://schemas.microsoft.com/office/drawing/2014/main" id="{3F77676F-2498-8F13-18D5-904768815403}"/>
+              </a:ext>
+            </a:extLst>
+          </p:cNvPr>
+          <p:cNvPicPr>
+            <a:picLocks noChangeAspect="1" noChangeArrowheads="1"/>
+          </p:cNvPicPr>
+          <p:nvPr/>
+        </p:nvPicPr>
+        <p:blipFill>
+          <a:blip r:embed="rId4">
+            <a:extLst>
+              <a:ext uri="{28A0092B-C50C-407E-A947-70E740481C1C}">
+                <a14:useLocalDpi xmlns:a14="http://schemas.microsoft.com/office/drawing/2010/main" val="0"/>
+              </a:ext>
+            </a:extLst>
+          </a:blip>
+          <a:srcRect/>
+          <a:stretch>
+            <a:fillRect/>
+          </a:stretch>
+        </p:blipFill>
+        <p:spPr bwMode="auto">
+          <a:xfrm>
+            <a:off x="8074800" y="3314574"/>
+            <a:ext cx="3814800" cy="3045148"/>
           </a:xfrm>
           <a:prstGeom prst="rect">
             <a:avLst/>
@@ -15994,12 +17301,9 @@
 </file>
 
 <file path=customXml/item1.xml><?xml version="1.0" encoding="utf-8"?>
-<?mso-contentType ?>
-<FormTemplates xmlns="http://schemas.microsoft.com/sharepoint/v3/contenttype/forms">
-  <Display>DocumentLibraryForm</Display>
-  <Edit>DocumentLibraryForm</Edit>
-  <New>DocumentLibraryForm</New>
-</FormTemplates>
+<p:properties xmlns:p="http://schemas.microsoft.com/office/2006/metadata/properties" xmlns:xsi="http://www.w3.org/2001/XMLSchema-instance" xmlns:pc="http://schemas.microsoft.com/office/infopath/2007/PartnerControls">
+  <documentManagement/>
+</p:properties>
 </file>
 
 <file path=customXml/item2.xml><?xml version="1.0" encoding="utf-8"?>
@@ -16135,15 +17439,19 @@
 </file>
 
 <file path=customXml/item3.xml><?xml version="1.0" encoding="utf-8"?>
-<p:properties xmlns:p="http://schemas.microsoft.com/office/2006/metadata/properties" xmlns:xsi="http://www.w3.org/2001/XMLSchema-instance" xmlns:pc="http://schemas.microsoft.com/office/infopath/2007/PartnerControls">
-  <documentManagement/>
-</p:properties>
+<?mso-contentType ?>
+<FormTemplates xmlns="http://schemas.microsoft.com/sharepoint/v3/contenttype/forms">
+  <Display>DocumentLibraryForm</Display>
+  <Edit>DocumentLibraryForm</Edit>
+  <New>DocumentLibraryForm</New>
+</FormTemplates>
 </file>
 
 <file path=customXml/itemProps1.xml><?xml version="1.0" encoding="utf-8"?>
-<ds:datastoreItem xmlns:ds="http://schemas.openxmlformats.org/officeDocument/2006/customXml" ds:itemID="{44134F0C-13CE-4F73-B34D-48DDF6DD0DFD}">
+<ds:datastoreItem xmlns:ds="http://schemas.openxmlformats.org/officeDocument/2006/customXml" ds:itemID="{0AF2841D-1909-4ADD-89B6-630836F9DA75}">
   <ds:schemaRefs>
-    <ds:schemaRef ds:uri="http://schemas.microsoft.com/sharepoint/v3/contenttype/forms"/>
+    <ds:schemaRef ds:uri="http://schemas.microsoft.com/office/2006/metadata/properties"/>
+    <ds:schemaRef ds:uri="http://schemas.microsoft.com/office/infopath/2007/PartnerControls"/>
   </ds:schemaRefs>
 </ds:datastoreItem>
 </file>
@@ -16167,10 +17475,9 @@
 </file>
 
 <file path=customXml/itemProps3.xml><?xml version="1.0" encoding="utf-8"?>
-<ds:datastoreItem xmlns:ds="http://schemas.openxmlformats.org/officeDocument/2006/customXml" ds:itemID="{0AF2841D-1909-4ADD-89B6-630836F9DA75}">
+<ds:datastoreItem xmlns:ds="http://schemas.openxmlformats.org/officeDocument/2006/customXml" ds:itemID="{44134F0C-13CE-4F73-B34D-48DDF6DD0DFD}">
   <ds:schemaRefs>
-    <ds:schemaRef ds:uri="http://schemas.microsoft.com/office/2006/metadata/properties"/>
-    <ds:schemaRef ds:uri="http://schemas.microsoft.com/office/infopath/2007/PartnerControls"/>
+    <ds:schemaRef ds:uri="http://schemas.microsoft.com/sharepoint/v3/contenttype/forms"/>
   </ds:schemaRefs>
 </ds:datastoreItem>
 </file>